--- a/Async python.pptx
+++ b/Async python.pptx
@@ -1203,7 +1203,7 @@
   <p:cSld>
     <p:spTree>
       <p:nvGrpSpPr>
-        <p:cNvPr id="153" name="Shape 153"/>
+        <p:cNvPr id="158" name="Shape 158"/>
         <p:cNvGrpSpPr/>
         <p:nvPr/>
       </p:nvGrpSpPr>
@@ -1217,7 +1217,7 @@
       </p:grpSpPr>
       <p:sp>
         <p:nvSpPr>
-          <p:cNvPr id="154" name="Google Shape;154;g212d4af7ec8_0_267:notes"/>
+          <p:cNvPr id="159" name="Google Shape;159;g212d4af7ec8_0_267:notes"/>
           <p:cNvSpPr/>
           <p:nvPr>
             <p:ph idx="2" type="sldImg"/>
@@ -1252,7 +1252,7 @@
       </p:sp>
       <p:sp>
         <p:nvSpPr>
-          <p:cNvPr id="155" name="Google Shape;155;g212d4af7ec8_0_267:notes"/>
+          <p:cNvPr id="160" name="Google Shape;160;g212d4af7ec8_0_267:notes"/>
           <p:cNvSpPr txBox="1"/>
           <p:nvPr>
             <p:ph idx="1" type="body"/>
@@ -1302,7 +1302,7 @@
   <p:cSld>
     <p:spTree>
       <p:nvGrpSpPr>
-        <p:cNvPr id="159" name="Shape 159"/>
+        <p:cNvPr id="165" name="Shape 165"/>
         <p:cNvGrpSpPr/>
         <p:nvPr/>
       </p:nvGrpSpPr>
@@ -1316,7 +1316,7 @@
       </p:grpSpPr>
       <p:sp>
         <p:nvSpPr>
-          <p:cNvPr id="160" name="Google Shape;160;g212d4af7ec8_0_272:notes"/>
+          <p:cNvPr id="166" name="Google Shape;166;g212d4af7ec8_0_272:notes"/>
           <p:cNvSpPr/>
           <p:nvPr>
             <p:ph idx="2" type="sldImg"/>
@@ -1351,7 +1351,7 @@
       </p:sp>
       <p:sp>
         <p:nvSpPr>
-          <p:cNvPr id="161" name="Google Shape;161;g212d4af7ec8_0_272:notes"/>
+          <p:cNvPr id="167" name="Google Shape;167;g212d4af7ec8_0_272:notes"/>
           <p:cNvSpPr txBox="1"/>
           <p:nvPr>
             <p:ph idx="1" type="body"/>
@@ -1401,7 +1401,7 @@
   <p:cSld>
     <p:spTree>
       <p:nvGrpSpPr>
-        <p:cNvPr id="165" name="Shape 165"/>
+        <p:cNvPr id="181" name="Shape 181"/>
         <p:cNvGrpSpPr/>
         <p:nvPr/>
       </p:nvGrpSpPr>
@@ -1415,7 +1415,7 @@
       </p:grpSpPr>
       <p:sp>
         <p:nvSpPr>
-          <p:cNvPr id="166" name="Google Shape;166;g212d4af7ec8_0_282:notes"/>
+          <p:cNvPr id="182" name="Google Shape;182;g212d4af7ec8_0_282:notes"/>
           <p:cNvSpPr/>
           <p:nvPr>
             <p:ph idx="2" type="sldImg"/>
@@ -1450,7 +1450,7 @@
       </p:sp>
       <p:sp>
         <p:nvSpPr>
-          <p:cNvPr id="167" name="Google Shape;167;g212d4af7ec8_0_282:notes"/>
+          <p:cNvPr id="183" name="Google Shape;183;g212d4af7ec8_0_282:notes"/>
           <p:cNvSpPr txBox="1"/>
           <p:nvPr>
             <p:ph idx="1" type="body"/>
@@ -1500,7 +1500,7 @@
   <p:cSld>
     <p:spTree>
       <p:nvGrpSpPr>
-        <p:cNvPr id="171" name="Shape 171"/>
+        <p:cNvPr id="187" name="Shape 187"/>
         <p:cNvGrpSpPr/>
         <p:nvPr/>
       </p:nvGrpSpPr>
@@ -1514,7 +1514,7 @@
       </p:grpSpPr>
       <p:sp>
         <p:nvSpPr>
-          <p:cNvPr id="172" name="Google Shape;172;g212d4af7ec8_0_287:notes"/>
+          <p:cNvPr id="188" name="Google Shape;188;g212d4af7ec8_0_287:notes"/>
           <p:cNvSpPr/>
           <p:nvPr>
             <p:ph idx="2" type="sldImg"/>
@@ -1549,7 +1549,7 @@
       </p:sp>
       <p:sp>
         <p:nvSpPr>
-          <p:cNvPr id="173" name="Google Shape;173;g212d4af7ec8_0_287:notes"/>
+          <p:cNvPr id="189" name="Google Shape;189;g212d4af7ec8_0_287:notes"/>
           <p:cNvSpPr txBox="1"/>
           <p:nvPr>
             <p:ph idx="1" type="body"/>
@@ -9737,7 +9737,7 @@
             <a:tbl>
               <a:tblPr>
                 <a:noFill/>
-                <a:tableStyleId>{5FE2FD60-94A9-45E8-8355-8029FFA0408B}</a:tableStyleId>
+                <a:tableStyleId>{2A61F90D-BFBE-4BA0-ADC7-8B8B91ED61E9}</a:tableStyleId>
               </a:tblPr>
               <a:tblGrid>
                 <a:gridCol w="7239000"/>
@@ -10292,7 +10292,7 @@
         <p:spPr>
           <a:xfrm>
             <a:off x="819150" y="1553775"/>
-            <a:ext cx="7505700" cy="2884800"/>
+            <a:ext cx="7505700" cy="1549500"/>
           </a:xfrm>
           <a:prstGeom prst="rect">
             <a:avLst/>
@@ -10316,23 +10316,6 @@
             </a:pPr>
             <a:r>
               <a:rPr lang="en" sz="2000"/>
-              <a:t>from multiprocessing import Process</a:t>
-            </a:r>
-            <a:endParaRPr sz="2000"/>
-          </a:p>
-          <a:p>
-            <a:pPr indent="-355600" lvl="0" marL="457200" rtl="0" algn="l">
-              <a:spcBef>
-                <a:spcPts val="0"/>
-              </a:spcBef>
-              <a:spcAft>
-                <a:spcPts val="0"/>
-              </a:spcAft>
-              <a:buSzPts val="2000"/>
-              <a:buChar char="-"/>
-            </a:pPr>
-            <a:r>
-              <a:rPr lang="en" sz="2000"/>
               <a:t>OS takes care of sharing your CPU resources to multiple processes</a:t>
             </a:r>
             <a:endParaRPr sz="2000"/>
@@ -10372,9 +10355,60 @@
             <a:endParaRPr sz="2000"/>
           </a:p>
           <a:p>
+            <a:pPr indent="-355600" lvl="0" marL="457200" rtl="0" algn="l">
+              <a:spcBef>
+                <a:spcPts val="0"/>
+              </a:spcBef>
+              <a:spcAft>
+                <a:spcPts val="0"/>
+              </a:spcAft>
+              <a:buSzPts val="2000"/>
+              <a:buChar char="-"/>
+            </a:pPr>
+            <a:r>
+              <a:rPr lang="en" sz="2000"/>
+              <a:t>Took only 10 seconds</a:t>
+            </a:r>
+            <a:endParaRPr sz="2000"/>
+          </a:p>
+        </p:txBody>
+      </p:sp>
+      <p:sp>
+        <p:nvSpPr>
+          <p:cNvPr id="153" name="Google Shape;153;p17"/>
+          <p:cNvSpPr/>
+          <p:nvPr/>
+        </p:nvSpPr>
+        <p:spPr>
+          <a:xfrm>
+            <a:off x="1341725" y="3471895"/>
+            <a:ext cx="5279700" cy="78300"/>
+          </a:xfrm>
+          <a:prstGeom prst="rect">
+            <a:avLst/>
+          </a:prstGeom>
+          <a:solidFill>
+            <a:schemeClr val="lt2"/>
+          </a:solidFill>
+          <a:ln cap="flat" cmpd="sng" w="9525">
+            <a:solidFill>
+              <a:schemeClr val="dk2"/>
+            </a:solidFill>
+            <a:prstDash val="solid"/>
+            <a:round/>
+            <a:headEnd len="sm" w="sm" type="none"/>
+            <a:tailEnd len="sm" w="sm" type="none"/>
+          </a:ln>
+        </p:spPr>
+        <p:txBody>
+          <a:bodyPr anchorCtr="0" anchor="ctr" bIns="91425" lIns="91425" spcFirstLastPara="1" rIns="91425" wrap="square" tIns="91425">
+            <a:noAutofit/>
+          </a:bodyPr>
+          <a:lstStyle/>
+          <a:p>
             <a:pPr indent="0" lvl="0" marL="0" rtl="0" algn="l">
               <a:spcBef>
-                <a:spcPts val="1200"/>
+                <a:spcPts val="0"/>
               </a:spcBef>
               <a:spcAft>
                 <a:spcPts val="0"/>
@@ -10384,23 +10418,284 @@
             <a:r>
               <a:t/>
             </a:r>
-            <a:endParaRPr sz="2000"/>
+            <a:endParaRPr sz="1500"/>
+          </a:p>
+        </p:txBody>
+      </p:sp>
+      <p:sp>
+        <p:nvSpPr>
+          <p:cNvPr id="154" name="Google Shape;154;p17"/>
+          <p:cNvSpPr/>
+          <p:nvPr/>
+        </p:nvSpPr>
+        <p:spPr>
+          <a:xfrm>
+            <a:off x="1341725" y="3688712"/>
+            <a:ext cx="5279700" cy="78300"/>
+          </a:xfrm>
+          <a:prstGeom prst="rect">
+            <a:avLst/>
+          </a:prstGeom>
+          <a:solidFill>
+            <a:schemeClr val="lt2"/>
+          </a:solidFill>
+          <a:ln cap="flat" cmpd="sng" w="9525">
+            <a:solidFill>
+              <a:schemeClr val="dk2"/>
+            </a:solidFill>
+            <a:prstDash val="solid"/>
+            <a:round/>
+            <a:headEnd len="sm" w="sm" type="none"/>
+            <a:tailEnd len="sm" w="sm" type="none"/>
+          </a:ln>
+        </p:spPr>
+        <p:txBody>
+          <a:bodyPr anchorCtr="0" anchor="ctr" bIns="91425" lIns="91425" spcFirstLastPara="1" rIns="91425" wrap="square" tIns="91425">
+            <a:noAutofit/>
+          </a:bodyPr>
+          <a:lstStyle/>
+          <a:p>
+            <a:pPr indent="0" lvl="0" marL="0" rtl="0" algn="l">
+              <a:spcBef>
+                <a:spcPts val="0"/>
+              </a:spcBef>
+              <a:spcAft>
+                <a:spcPts val="0"/>
+              </a:spcAft>
+              <a:buNone/>
+            </a:pPr>
+            <a:r>
+              <a:t/>
+            </a:r>
+            <a:endParaRPr sz="1500"/>
+          </a:p>
+        </p:txBody>
+      </p:sp>
+      <p:sp>
+        <p:nvSpPr>
+          <p:cNvPr id="155" name="Google Shape;155;p17"/>
+          <p:cNvSpPr/>
+          <p:nvPr/>
+        </p:nvSpPr>
+        <p:spPr>
+          <a:xfrm>
+            <a:off x="1362588" y="3933325"/>
+            <a:ext cx="5279700" cy="78300"/>
+          </a:xfrm>
+          <a:prstGeom prst="rect">
+            <a:avLst/>
+          </a:prstGeom>
+          <a:solidFill>
+            <a:schemeClr val="lt2"/>
+          </a:solidFill>
+          <a:ln cap="flat" cmpd="sng" w="9525">
+            <a:solidFill>
+              <a:schemeClr val="dk2"/>
+            </a:solidFill>
+            <a:prstDash val="solid"/>
+            <a:round/>
+            <a:headEnd len="sm" w="sm" type="none"/>
+            <a:tailEnd len="sm" w="sm" type="none"/>
+          </a:ln>
+        </p:spPr>
+        <p:txBody>
+          <a:bodyPr anchorCtr="0" anchor="ctr" bIns="91425" lIns="91425" spcFirstLastPara="1" rIns="91425" wrap="square" tIns="91425">
+            <a:noAutofit/>
+          </a:bodyPr>
+          <a:lstStyle/>
+          <a:p>
+            <a:pPr indent="0" lvl="0" marL="0" rtl="0" algn="l">
+              <a:spcBef>
+                <a:spcPts val="0"/>
+              </a:spcBef>
+              <a:spcAft>
+                <a:spcPts val="0"/>
+              </a:spcAft>
+              <a:buNone/>
+            </a:pPr>
+            <a:r>
+              <a:t/>
+            </a:r>
+            <a:endParaRPr sz="1500"/>
+          </a:p>
+        </p:txBody>
+      </p:sp>
+      <p:sp>
+        <p:nvSpPr>
+          <p:cNvPr id="156" name="Google Shape;156;p17"/>
+          <p:cNvSpPr/>
+          <p:nvPr/>
+        </p:nvSpPr>
+        <p:spPr>
+          <a:xfrm>
+            <a:off x="1348373" y="4177939"/>
+            <a:ext cx="5279700" cy="78300"/>
+          </a:xfrm>
+          <a:prstGeom prst="rect">
+            <a:avLst/>
+          </a:prstGeom>
+          <a:solidFill>
+            <a:schemeClr val="lt2"/>
+          </a:solidFill>
+          <a:ln cap="flat" cmpd="sng" w="9525">
+            <a:solidFill>
+              <a:schemeClr val="dk2"/>
+            </a:solidFill>
+            <a:prstDash val="solid"/>
+            <a:round/>
+            <a:headEnd len="sm" w="sm" type="none"/>
+            <a:tailEnd len="sm" w="sm" type="none"/>
+          </a:ln>
+        </p:spPr>
+        <p:txBody>
+          <a:bodyPr anchorCtr="0" anchor="ctr" bIns="91425" lIns="91425" spcFirstLastPara="1" rIns="91425" wrap="square" tIns="91425">
+            <a:noAutofit/>
+          </a:bodyPr>
+          <a:lstStyle/>
+          <a:p>
+            <a:pPr indent="0" lvl="0" marL="0" rtl="0" algn="l">
+              <a:spcBef>
+                <a:spcPts val="0"/>
+              </a:spcBef>
+              <a:spcAft>
+                <a:spcPts val="0"/>
+              </a:spcAft>
+              <a:buNone/>
+            </a:pPr>
+            <a:r>
+              <a:t/>
+            </a:r>
+            <a:endParaRPr sz="1500"/>
+          </a:p>
+        </p:txBody>
+      </p:sp>
+      <p:sp>
+        <p:nvSpPr>
+          <p:cNvPr id="157" name="Google Shape;157;p17"/>
+          <p:cNvSpPr txBox="1"/>
+          <p:nvPr/>
+        </p:nvSpPr>
+        <p:spPr>
+          <a:xfrm>
+            <a:off x="618200" y="3290650"/>
+            <a:ext cx="8197500" cy="1108200"/>
+          </a:xfrm>
+          <a:prstGeom prst="rect">
+            <a:avLst/>
+          </a:prstGeom>
+          <a:noFill/>
+          <a:ln>
+            <a:noFill/>
+          </a:ln>
+        </p:spPr>
+        <p:txBody>
+          <a:bodyPr anchorCtr="0" anchor="t" bIns="91425" lIns="91425" spcFirstLastPara="1" rIns="91425" wrap="square" tIns="91425">
+            <a:spAutoFit/>
+          </a:bodyPr>
+          <a:lstStyle/>
+          <a:p>
+            <a:pPr indent="0" lvl="0" marL="0" rtl="0" algn="l">
+              <a:spcBef>
+                <a:spcPts val="0"/>
+              </a:spcBef>
+              <a:spcAft>
+                <a:spcPts val="0"/>
+              </a:spcAft>
+              <a:buNone/>
+            </a:pPr>
+            <a:r>
+              <a:rPr lang="en" sz="1500">
+                <a:latin typeface="Calibri"/>
+                <a:ea typeface="Calibri"/>
+                <a:cs typeface="Calibri"/>
+                <a:sym typeface="Calibri"/>
+              </a:rPr>
+              <a:t>Core 0                                         PROCESS 0</a:t>
+            </a:r>
+            <a:endParaRPr sz="1500">
+              <a:latin typeface="Calibri"/>
+              <a:ea typeface="Calibri"/>
+              <a:cs typeface="Calibri"/>
+              <a:sym typeface="Calibri"/>
+            </a:endParaRPr>
           </a:p>
           <a:p>
             <a:pPr indent="0" lvl="0" marL="0" rtl="0" algn="l">
               <a:spcBef>
-                <a:spcPts val="1200"/>
-              </a:spcBef>
-              <a:spcAft>
-                <a:spcPts val="1200"/>
+                <a:spcPts val="0"/>
+              </a:spcBef>
+              <a:spcAft>
+                <a:spcPts val="0"/>
               </a:spcAft>
               <a:buNone/>
             </a:pPr>
             <a:r>
-              <a:rPr lang="en" sz="2000"/>
-              <a:t>Took only 10-11 seconds</a:t>
+              <a:rPr lang="en" sz="1500">
+                <a:latin typeface="Calibri"/>
+                <a:ea typeface="Calibri"/>
+                <a:cs typeface="Calibri"/>
+                <a:sym typeface="Calibri"/>
+              </a:rPr>
+              <a:t>Core 1                                         PROCESS 1</a:t>
             </a:r>
-            <a:endParaRPr sz="2000"/>
+            <a:endParaRPr sz="1500">
+              <a:latin typeface="Calibri"/>
+              <a:ea typeface="Calibri"/>
+              <a:cs typeface="Calibri"/>
+              <a:sym typeface="Calibri"/>
+            </a:endParaRPr>
+          </a:p>
+          <a:p>
+            <a:pPr indent="0" lvl="0" marL="0" rtl="0" algn="l">
+              <a:spcBef>
+                <a:spcPts val="0"/>
+              </a:spcBef>
+              <a:spcAft>
+                <a:spcPts val="0"/>
+              </a:spcAft>
+              <a:buNone/>
+            </a:pPr>
+            <a:r>
+              <a:rPr lang="en" sz="1500">
+                <a:latin typeface="Calibri"/>
+                <a:ea typeface="Calibri"/>
+                <a:cs typeface="Calibri"/>
+                <a:sym typeface="Calibri"/>
+              </a:rPr>
+              <a:t>Core 2                                         PROCESS 2</a:t>
+            </a:r>
+            <a:endParaRPr sz="1500">
+              <a:latin typeface="Calibri"/>
+              <a:ea typeface="Calibri"/>
+              <a:cs typeface="Calibri"/>
+              <a:sym typeface="Calibri"/>
+            </a:endParaRPr>
+          </a:p>
+          <a:p>
+            <a:pPr indent="0" lvl="0" marL="0" rtl="0" algn="l">
+              <a:spcBef>
+                <a:spcPts val="0"/>
+              </a:spcBef>
+              <a:spcAft>
+                <a:spcPts val="0"/>
+              </a:spcAft>
+              <a:buNone/>
+            </a:pPr>
+            <a:r>
+              <a:rPr lang="en" sz="1500">
+                <a:latin typeface="Calibri"/>
+                <a:ea typeface="Calibri"/>
+                <a:cs typeface="Calibri"/>
+                <a:sym typeface="Calibri"/>
+              </a:rPr>
+              <a:t>Core 3                                         PROCESS 3</a:t>
+            </a:r>
+            <a:endParaRPr sz="1500">
+              <a:latin typeface="Calibri"/>
+              <a:ea typeface="Calibri"/>
+              <a:cs typeface="Calibri"/>
+              <a:sym typeface="Calibri"/>
+            </a:endParaRPr>
           </a:p>
         </p:txBody>
       </p:sp>
@@ -10417,7 +10712,7 @@
   <p:cSld>
     <p:spTree>
       <p:nvGrpSpPr>
-        <p:cNvPr id="156" name="Shape 156"/>
+        <p:cNvPr id="161" name="Shape 161"/>
         <p:cNvGrpSpPr/>
         <p:nvPr/>
       </p:nvGrpSpPr>
@@ -10431,7 +10726,7 @@
       </p:grpSpPr>
       <p:sp>
         <p:nvSpPr>
-          <p:cNvPr id="157" name="Google Shape;157;p18"/>
+          <p:cNvPr id="162" name="Google Shape;162;p18"/>
           <p:cNvSpPr txBox="1"/>
           <p:nvPr>
             <p:ph type="title"/>
@@ -10471,7 +10766,7 @@
       </p:sp>
       <p:sp>
         <p:nvSpPr>
-          <p:cNvPr id="158" name="Google Shape;158;p18"/>
+          <p:cNvPr id="163" name="Google Shape;163;p18"/>
           <p:cNvSpPr txBox="1"/>
           <p:nvPr>
             <p:ph idx="1" type="body"/>
@@ -10543,33 +10838,19 @@
             <a:endParaRPr sz="2000"/>
           </a:p>
           <a:p>
-            <a:pPr indent="0" lvl="0" marL="0" rtl="0" algn="l">
-              <a:spcBef>
-                <a:spcPts val="1200"/>
-              </a:spcBef>
-              <a:spcAft>
-                <a:spcPts val="0"/>
-              </a:spcAft>
-              <a:buNone/>
-            </a:pPr>
-            <a:r>
-              <a:t/>
-            </a:r>
-            <a:endParaRPr sz="2000"/>
-          </a:p>
-          <a:p>
-            <a:pPr indent="0" lvl="0" marL="0" rtl="0" algn="l">
-              <a:spcBef>
-                <a:spcPts val="1200"/>
-              </a:spcBef>
-              <a:spcAft>
-                <a:spcPts val="0"/>
-              </a:spcAft>
-              <a:buNone/>
+            <a:pPr indent="-355600" lvl="0" marL="457200" rtl="0" algn="l">
+              <a:spcBef>
+                <a:spcPts val="0"/>
+              </a:spcBef>
+              <a:spcAft>
+                <a:spcPts val="0"/>
+              </a:spcAft>
+              <a:buSzPts val="2000"/>
+              <a:buChar char="-"/>
             </a:pPr>
             <a:r>
               <a:rPr lang="en" sz="2000"/>
-              <a:t>Took only 6 seconds</a:t>
+              <a:t>Took only 3 seconds</a:t>
             </a:r>
             <a:endParaRPr sz="2000"/>
           </a:p>
@@ -10590,6 +10871,33 @@
           </a:p>
         </p:txBody>
       </p:sp>
+      <p:pic>
+        <p:nvPicPr>
+          <p:cNvPr id="164" name="Google Shape;164;p18"/>
+          <p:cNvPicPr preferRelativeResize="0"/>
+          <p:nvPr/>
+        </p:nvPicPr>
+        <p:blipFill rotWithShape="1">
+          <a:blip r:embed="rId3">
+            <a:alphaModFix/>
+          </a:blip>
+          <a:srcRect b="0" l="0" r="0" t="54504"/>
+          <a:stretch/>
+        </p:blipFill>
+        <p:spPr>
+          <a:xfrm>
+            <a:off x="851788" y="3352725"/>
+            <a:ext cx="7440424" cy="1273325"/>
+          </a:xfrm>
+          <a:prstGeom prst="rect">
+            <a:avLst/>
+          </a:prstGeom>
+          <a:noFill/>
+          <a:ln>
+            <a:noFill/>
+          </a:ln>
+        </p:spPr>
+      </p:pic>
     </p:spTree>
   </p:cSld>
   <p:clrMapOvr>
@@ -10603,7 +10911,7 @@
   <p:cSld>
     <p:spTree>
       <p:nvGrpSpPr>
-        <p:cNvPr id="162" name="Shape 162"/>
+        <p:cNvPr id="168" name="Shape 168"/>
         <p:cNvGrpSpPr/>
         <p:nvPr/>
       </p:nvGrpSpPr>
@@ -10617,7 +10925,7 @@
       </p:grpSpPr>
       <p:sp>
         <p:nvSpPr>
-          <p:cNvPr id="163" name="Google Shape;163;p19"/>
+          <p:cNvPr id="169" name="Google Shape;169;p19"/>
           <p:cNvSpPr txBox="1"/>
           <p:nvPr>
             <p:ph type="title"/>
@@ -10657,7 +10965,7 @@
       </p:sp>
       <p:sp>
         <p:nvSpPr>
-          <p:cNvPr id="164" name="Google Shape;164;p19"/>
+          <p:cNvPr id="170" name="Google Shape;170;p19"/>
           <p:cNvSpPr txBox="1"/>
           <p:nvPr>
             <p:ph idx="1" type="body"/>
@@ -10674,7 +10982,7 @@
         </p:spPr>
         <p:txBody>
           <a:bodyPr anchorCtr="0" anchor="t" bIns="91425" lIns="91425" spcFirstLastPara="1" rIns="91425" wrap="square" tIns="91425">
-            <a:normAutofit lnSpcReduction="10000"/>
+            <a:normAutofit/>
           </a:bodyPr>
           <a:lstStyle/>
           <a:p>
@@ -10724,7 +11032,7 @@
             </a:pPr>
             <a:r>
               <a:rPr lang="en" sz="2000"/>
-              <a:t>Corouteins: async/await</a:t>
+              <a:t>Coroutines: async/await</a:t>
             </a:r>
             <a:endParaRPr sz="2000"/>
           </a:p>
@@ -10746,12 +11054,29 @@
             <a:endParaRPr sz="2000"/>
           </a:p>
           <a:p>
+            <a:pPr indent="-355600" lvl="0" marL="457200" rtl="0" algn="l">
+              <a:spcBef>
+                <a:spcPts val="0"/>
+              </a:spcBef>
+              <a:spcAft>
+                <a:spcPts val="0"/>
+              </a:spcAft>
+              <a:buSzPts val="2000"/>
+              <a:buChar char="-"/>
+            </a:pPr>
+            <a:r>
+              <a:rPr lang="en" sz="2000"/>
+              <a:t>Took only 2 seconds</a:t>
+            </a:r>
+            <a:endParaRPr sz="2000"/>
+          </a:p>
+          <a:p>
             <a:pPr indent="0" lvl="0" marL="0" rtl="0" algn="l">
               <a:spcBef>
                 <a:spcPts val="1200"/>
               </a:spcBef>
               <a:spcAft>
-                <a:spcPts val="0"/>
+                <a:spcPts val="1200"/>
               </a:spcAft>
               <a:buNone/>
             </a:pPr>
@@ -10760,10 +11085,44 @@
             </a:r>
             <a:endParaRPr sz="2000"/>
           </a:p>
+        </p:txBody>
+      </p:sp>
+      <p:sp>
+        <p:nvSpPr>
+          <p:cNvPr id="171" name="Google Shape;171;p19"/>
+          <p:cNvSpPr/>
+          <p:nvPr/>
+        </p:nvSpPr>
+        <p:spPr>
+          <a:xfrm>
+            <a:off x="927325" y="3733975"/>
+            <a:ext cx="7146600" cy="704700"/>
+          </a:xfrm>
+          <a:prstGeom prst="rect">
+            <a:avLst/>
+          </a:prstGeom>
+          <a:solidFill>
+            <a:schemeClr val="lt2"/>
+          </a:solidFill>
+          <a:ln cap="flat" cmpd="sng" w="9525">
+            <a:solidFill>
+              <a:schemeClr val="dk2"/>
+            </a:solidFill>
+            <a:prstDash val="solid"/>
+            <a:round/>
+            <a:headEnd len="sm" w="sm" type="none"/>
+            <a:tailEnd len="sm" w="sm" type="none"/>
+          </a:ln>
+        </p:spPr>
+        <p:txBody>
+          <a:bodyPr anchorCtr="0" anchor="ctr" bIns="91425" lIns="91425" spcFirstLastPara="1" rIns="91425" wrap="square" tIns="91425">
+            <a:noAutofit/>
+          </a:bodyPr>
+          <a:lstStyle/>
           <a:p>
             <a:pPr indent="0" lvl="0" marL="0" rtl="0" algn="l">
               <a:spcBef>
-                <a:spcPts val="1200"/>
+                <a:spcPts val="0"/>
               </a:spcBef>
               <a:spcAft>
                 <a:spcPts val="0"/>
@@ -10771,25 +11130,452 @@
               <a:buNone/>
             </a:pPr>
             <a:r>
-              <a:rPr lang="en" sz="2000"/>
-              <a:t>Took only 6 seconds</a:t>
+              <a:rPr lang="en"/>
+              <a:t>Process</a:t>
             </a:r>
-            <a:endParaRPr sz="2000"/>
+            <a:endParaRPr/>
           </a:p>
+        </p:txBody>
+      </p:sp>
+      <p:sp>
+        <p:nvSpPr>
+          <p:cNvPr id="172" name="Google Shape;172;p19"/>
+          <p:cNvSpPr/>
+          <p:nvPr/>
+        </p:nvSpPr>
+        <p:spPr>
+          <a:xfrm>
+            <a:off x="1780450" y="3832900"/>
+            <a:ext cx="6206700" cy="520800"/>
+          </a:xfrm>
+          <a:prstGeom prst="rect">
+            <a:avLst/>
+          </a:prstGeom>
+          <a:solidFill>
+            <a:schemeClr val="lt2"/>
+          </a:solidFill>
+          <a:ln cap="flat" cmpd="sng" w="9525">
+            <a:solidFill>
+              <a:schemeClr val="dk2"/>
+            </a:solidFill>
+            <a:prstDash val="solid"/>
+            <a:round/>
+            <a:headEnd len="sm" w="sm" type="none"/>
+            <a:tailEnd len="sm" w="sm" type="none"/>
+          </a:ln>
+        </p:spPr>
+        <p:txBody>
+          <a:bodyPr anchorCtr="0" anchor="ctr" bIns="91425" lIns="91425" spcFirstLastPara="1" rIns="91425" wrap="square" tIns="91425">
+            <a:noAutofit/>
+          </a:bodyPr>
+          <a:lstStyle/>
           <a:p>
             <a:pPr indent="0" lvl="0" marL="0" rtl="0" algn="l">
               <a:spcBef>
-                <a:spcPts val="1200"/>
-              </a:spcBef>
-              <a:spcAft>
-                <a:spcPts val="1200"/>
+                <a:spcPts val="0"/>
+              </a:spcBef>
+              <a:spcAft>
+                <a:spcPts val="0"/>
+              </a:spcAft>
+              <a:buNone/>
+            </a:pPr>
+            <a:r>
+              <a:rPr lang="en"/>
+              <a:t>Thread</a:t>
+            </a:r>
+            <a:endParaRPr/>
+          </a:p>
+        </p:txBody>
+      </p:sp>
+      <p:sp>
+        <p:nvSpPr>
+          <p:cNvPr id="173" name="Google Shape;173;p19"/>
+          <p:cNvSpPr/>
+          <p:nvPr/>
+        </p:nvSpPr>
+        <p:spPr>
+          <a:xfrm>
+            <a:off x="2559375" y="4043100"/>
+            <a:ext cx="593400" cy="111300"/>
+          </a:xfrm>
+          <a:prstGeom prst="rect">
+            <a:avLst/>
+          </a:prstGeom>
+          <a:solidFill>
+            <a:srgbClr val="FF0000"/>
+          </a:solidFill>
+          <a:ln cap="flat" cmpd="sng" w="9525">
+            <a:solidFill>
+              <a:schemeClr val="dk2"/>
+            </a:solidFill>
+            <a:prstDash val="solid"/>
+            <a:round/>
+            <a:headEnd len="sm" w="sm" type="none"/>
+            <a:tailEnd len="sm" w="sm" type="none"/>
+          </a:ln>
+        </p:spPr>
+        <p:txBody>
+          <a:bodyPr anchorCtr="0" anchor="ctr" bIns="91425" lIns="91425" spcFirstLastPara="1" rIns="91425" wrap="square" tIns="91425">
+            <a:noAutofit/>
+          </a:bodyPr>
+          <a:lstStyle/>
+          <a:p>
+            <a:pPr indent="0" lvl="0" marL="0" rtl="0" algn="l">
+              <a:spcBef>
+                <a:spcPts val="0"/>
+              </a:spcBef>
+              <a:spcAft>
+                <a:spcPts val="0"/>
               </a:spcAft>
               <a:buNone/>
             </a:pPr>
             <a:r>
               <a:t/>
             </a:r>
-            <a:endParaRPr sz="2000"/>
+            <a:endParaRPr/>
+          </a:p>
+        </p:txBody>
+      </p:sp>
+      <p:sp>
+        <p:nvSpPr>
+          <p:cNvPr id="174" name="Google Shape;174;p19"/>
+          <p:cNvSpPr/>
+          <p:nvPr/>
+        </p:nvSpPr>
+        <p:spPr>
+          <a:xfrm>
+            <a:off x="3218725" y="4037650"/>
+            <a:ext cx="292800" cy="111300"/>
+          </a:xfrm>
+          <a:prstGeom prst="rect">
+            <a:avLst/>
+          </a:prstGeom>
+          <a:solidFill>
+            <a:srgbClr val="FF9900"/>
+          </a:solidFill>
+          <a:ln cap="flat" cmpd="sng" w="9525">
+            <a:solidFill>
+              <a:schemeClr val="dk2"/>
+            </a:solidFill>
+            <a:prstDash val="solid"/>
+            <a:round/>
+            <a:headEnd len="sm" w="sm" type="none"/>
+            <a:tailEnd len="sm" w="sm" type="none"/>
+          </a:ln>
+        </p:spPr>
+        <p:txBody>
+          <a:bodyPr anchorCtr="0" anchor="ctr" bIns="91425" lIns="91425" spcFirstLastPara="1" rIns="91425" wrap="square" tIns="91425">
+            <a:noAutofit/>
+          </a:bodyPr>
+          <a:lstStyle/>
+          <a:p>
+            <a:pPr indent="0" lvl="0" marL="0" rtl="0" algn="l">
+              <a:spcBef>
+                <a:spcPts val="0"/>
+              </a:spcBef>
+              <a:spcAft>
+                <a:spcPts val="0"/>
+              </a:spcAft>
+              <a:buNone/>
+            </a:pPr>
+            <a:r>
+              <a:t/>
+            </a:r>
+            <a:endParaRPr/>
+          </a:p>
+        </p:txBody>
+      </p:sp>
+      <p:sp>
+        <p:nvSpPr>
+          <p:cNvPr id="175" name="Google Shape;175;p19"/>
+          <p:cNvSpPr/>
+          <p:nvPr/>
+        </p:nvSpPr>
+        <p:spPr>
+          <a:xfrm>
+            <a:off x="3577475" y="4037650"/>
+            <a:ext cx="593400" cy="111300"/>
+          </a:xfrm>
+          <a:prstGeom prst="rect">
+            <a:avLst/>
+          </a:prstGeom>
+          <a:solidFill>
+            <a:schemeClr val="accent6"/>
+          </a:solidFill>
+          <a:ln cap="flat" cmpd="sng" w="9525">
+            <a:solidFill>
+              <a:schemeClr val="dk2"/>
+            </a:solidFill>
+            <a:prstDash val="solid"/>
+            <a:round/>
+            <a:headEnd len="sm" w="sm" type="none"/>
+            <a:tailEnd len="sm" w="sm" type="none"/>
+          </a:ln>
+        </p:spPr>
+        <p:txBody>
+          <a:bodyPr anchorCtr="0" anchor="ctr" bIns="91425" lIns="91425" spcFirstLastPara="1" rIns="91425" wrap="square" tIns="91425">
+            <a:noAutofit/>
+          </a:bodyPr>
+          <a:lstStyle/>
+          <a:p>
+            <a:pPr indent="0" lvl="0" marL="0" rtl="0" algn="l">
+              <a:spcBef>
+                <a:spcPts val="0"/>
+              </a:spcBef>
+              <a:spcAft>
+                <a:spcPts val="0"/>
+              </a:spcAft>
+              <a:buNone/>
+            </a:pPr>
+            <a:r>
+              <a:t/>
+            </a:r>
+            <a:endParaRPr/>
+          </a:p>
+        </p:txBody>
+      </p:sp>
+      <p:sp>
+        <p:nvSpPr>
+          <p:cNvPr id="176" name="Google Shape;176;p19"/>
+          <p:cNvSpPr/>
+          <p:nvPr/>
+        </p:nvSpPr>
+        <p:spPr>
+          <a:xfrm>
+            <a:off x="4236825" y="4043100"/>
+            <a:ext cx="436800" cy="111300"/>
+          </a:xfrm>
+          <a:prstGeom prst="rect">
+            <a:avLst/>
+          </a:prstGeom>
+          <a:solidFill>
+            <a:srgbClr val="FF9900"/>
+          </a:solidFill>
+          <a:ln cap="flat" cmpd="sng" w="9525">
+            <a:solidFill>
+              <a:schemeClr val="dk2"/>
+            </a:solidFill>
+            <a:prstDash val="solid"/>
+            <a:round/>
+            <a:headEnd len="sm" w="sm" type="none"/>
+            <a:tailEnd len="sm" w="sm" type="none"/>
+          </a:ln>
+        </p:spPr>
+        <p:txBody>
+          <a:bodyPr anchorCtr="0" anchor="ctr" bIns="91425" lIns="91425" spcFirstLastPara="1" rIns="91425" wrap="square" tIns="91425">
+            <a:noAutofit/>
+          </a:bodyPr>
+          <a:lstStyle/>
+          <a:p>
+            <a:pPr indent="0" lvl="0" marL="0" rtl="0" algn="l">
+              <a:spcBef>
+                <a:spcPts val="0"/>
+              </a:spcBef>
+              <a:spcAft>
+                <a:spcPts val="0"/>
+              </a:spcAft>
+              <a:buNone/>
+            </a:pPr>
+            <a:r>
+              <a:t/>
+            </a:r>
+            <a:endParaRPr/>
+          </a:p>
+        </p:txBody>
+      </p:sp>
+      <p:sp>
+        <p:nvSpPr>
+          <p:cNvPr id="177" name="Google Shape;177;p19"/>
+          <p:cNvSpPr/>
+          <p:nvPr/>
+        </p:nvSpPr>
+        <p:spPr>
+          <a:xfrm>
+            <a:off x="4739575" y="4043100"/>
+            <a:ext cx="436800" cy="111300"/>
+          </a:xfrm>
+          <a:prstGeom prst="rect">
+            <a:avLst/>
+          </a:prstGeom>
+          <a:solidFill>
+            <a:srgbClr val="FF0000"/>
+          </a:solidFill>
+          <a:ln cap="flat" cmpd="sng" w="9525">
+            <a:solidFill>
+              <a:schemeClr val="dk2"/>
+            </a:solidFill>
+            <a:prstDash val="solid"/>
+            <a:round/>
+            <a:headEnd len="sm" w="sm" type="none"/>
+            <a:tailEnd len="sm" w="sm" type="none"/>
+          </a:ln>
+        </p:spPr>
+        <p:txBody>
+          <a:bodyPr anchorCtr="0" anchor="ctr" bIns="91425" lIns="91425" spcFirstLastPara="1" rIns="91425" wrap="square" tIns="91425">
+            <a:noAutofit/>
+          </a:bodyPr>
+          <a:lstStyle/>
+          <a:p>
+            <a:pPr indent="0" lvl="0" marL="0" rtl="0" algn="l">
+              <a:spcBef>
+                <a:spcPts val="0"/>
+              </a:spcBef>
+              <a:spcAft>
+                <a:spcPts val="0"/>
+              </a:spcAft>
+              <a:buNone/>
+            </a:pPr>
+            <a:r>
+              <a:t/>
+            </a:r>
+            <a:endParaRPr/>
+          </a:p>
+        </p:txBody>
+      </p:sp>
+      <p:sp>
+        <p:nvSpPr>
+          <p:cNvPr id="178" name="Google Shape;178;p19"/>
+          <p:cNvSpPr/>
+          <p:nvPr/>
+        </p:nvSpPr>
+        <p:spPr>
+          <a:xfrm>
+            <a:off x="5242325" y="4043100"/>
+            <a:ext cx="436800" cy="111300"/>
+          </a:xfrm>
+          <a:prstGeom prst="rect">
+            <a:avLst/>
+          </a:prstGeom>
+          <a:solidFill>
+            <a:srgbClr val="FF9900"/>
+          </a:solidFill>
+          <a:ln cap="flat" cmpd="sng" w="9525">
+            <a:solidFill>
+              <a:schemeClr val="dk2"/>
+            </a:solidFill>
+            <a:prstDash val="solid"/>
+            <a:round/>
+            <a:headEnd len="sm" w="sm" type="none"/>
+            <a:tailEnd len="sm" w="sm" type="none"/>
+          </a:ln>
+        </p:spPr>
+        <p:txBody>
+          <a:bodyPr anchorCtr="0" anchor="ctr" bIns="91425" lIns="91425" spcFirstLastPara="1" rIns="91425" wrap="square" tIns="91425">
+            <a:noAutofit/>
+          </a:bodyPr>
+          <a:lstStyle/>
+          <a:p>
+            <a:pPr indent="0" lvl="0" marL="0" rtl="0" algn="l">
+              <a:spcBef>
+                <a:spcPts val="0"/>
+              </a:spcBef>
+              <a:spcAft>
+                <a:spcPts val="0"/>
+              </a:spcAft>
+              <a:buNone/>
+            </a:pPr>
+            <a:r>
+              <a:t/>
+            </a:r>
+            <a:endParaRPr/>
+          </a:p>
+        </p:txBody>
+      </p:sp>
+      <p:sp>
+        <p:nvSpPr>
+          <p:cNvPr id="179" name="Google Shape;179;p19"/>
+          <p:cNvSpPr/>
+          <p:nvPr/>
+        </p:nvSpPr>
+        <p:spPr>
+          <a:xfrm>
+            <a:off x="5745075" y="4043100"/>
+            <a:ext cx="593400" cy="111300"/>
+          </a:xfrm>
+          <a:prstGeom prst="rect">
+            <a:avLst/>
+          </a:prstGeom>
+          <a:solidFill>
+            <a:schemeClr val="accent6"/>
+          </a:solidFill>
+          <a:ln cap="flat" cmpd="sng" w="9525">
+            <a:solidFill>
+              <a:schemeClr val="dk2"/>
+            </a:solidFill>
+            <a:prstDash val="solid"/>
+            <a:round/>
+            <a:headEnd len="sm" w="sm" type="none"/>
+            <a:tailEnd len="sm" w="sm" type="none"/>
+          </a:ln>
+        </p:spPr>
+        <p:txBody>
+          <a:bodyPr anchorCtr="0" anchor="ctr" bIns="91425" lIns="91425" spcFirstLastPara="1" rIns="91425" wrap="square" tIns="91425">
+            <a:noAutofit/>
+          </a:bodyPr>
+          <a:lstStyle/>
+          <a:p>
+            <a:pPr indent="0" lvl="0" marL="0" rtl="0" algn="l">
+              <a:spcBef>
+                <a:spcPts val="0"/>
+              </a:spcBef>
+              <a:spcAft>
+                <a:spcPts val="0"/>
+              </a:spcAft>
+              <a:buNone/>
+            </a:pPr>
+            <a:r>
+              <a:t/>
+            </a:r>
+            <a:endParaRPr/>
+          </a:p>
+        </p:txBody>
+      </p:sp>
+      <p:sp>
+        <p:nvSpPr>
+          <p:cNvPr id="180" name="Google Shape;180;p19"/>
+          <p:cNvSpPr/>
+          <p:nvPr/>
+        </p:nvSpPr>
+        <p:spPr>
+          <a:xfrm>
+            <a:off x="6404425" y="4043100"/>
+            <a:ext cx="1088400" cy="111300"/>
+          </a:xfrm>
+          <a:prstGeom prst="rect">
+            <a:avLst/>
+          </a:prstGeom>
+          <a:solidFill>
+            <a:schemeClr val="accent4"/>
+          </a:solidFill>
+          <a:ln cap="flat" cmpd="sng" w="9525">
+            <a:solidFill>
+              <a:schemeClr val="dk2"/>
+            </a:solidFill>
+            <a:prstDash val="solid"/>
+            <a:round/>
+            <a:headEnd len="sm" w="sm" type="none"/>
+            <a:tailEnd len="sm" w="sm" type="none"/>
+          </a:ln>
+        </p:spPr>
+        <p:txBody>
+          <a:bodyPr anchorCtr="0" anchor="ctr" bIns="91425" lIns="91425" spcFirstLastPara="1" rIns="91425" wrap="square" tIns="91425">
+            <a:noAutofit/>
+          </a:bodyPr>
+          <a:lstStyle/>
+          <a:p>
+            <a:pPr indent="0" lvl="0" marL="0" rtl="0" algn="l">
+              <a:spcBef>
+                <a:spcPts val="0"/>
+              </a:spcBef>
+              <a:spcAft>
+                <a:spcPts val="0"/>
+              </a:spcAft>
+              <a:buNone/>
+            </a:pPr>
+            <a:r>
+              <a:t/>
+            </a:r>
+            <a:endParaRPr/>
           </a:p>
         </p:txBody>
       </p:sp>
@@ -10806,7 +11592,7 @@
   <p:cSld>
     <p:spTree>
       <p:nvGrpSpPr>
-        <p:cNvPr id="168" name="Shape 168"/>
+        <p:cNvPr id="184" name="Shape 184"/>
         <p:cNvGrpSpPr/>
         <p:nvPr/>
       </p:nvGrpSpPr>
@@ -10820,7 +11606,7 @@
       </p:grpSpPr>
       <p:sp>
         <p:nvSpPr>
-          <p:cNvPr id="169" name="Google Shape;169;p20"/>
+          <p:cNvPr id="185" name="Google Shape;185;p20"/>
           <p:cNvSpPr txBox="1"/>
           <p:nvPr>
             <p:ph type="title"/>
@@ -10864,7 +11650,7 @@
       </p:sp>
       <p:sp>
         <p:nvSpPr>
-          <p:cNvPr id="170" name="Google Shape;170;p20"/>
+          <p:cNvPr id="186" name="Google Shape;186;p20"/>
           <p:cNvSpPr txBox="1"/>
           <p:nvPr>
             <p:ph idx="1" type="body"/>
@@ -10996,7 +11782,7 @@
   <p:cSld>
     <p:spTree>
       <p:nvGrpSpPr>
-        <p:cNvPr id="174" name="Shape 174"/>
+        <p:cNvPr id="190" name="Shape 190"/>
         <p:cNvGrpSpPr/>
         <p:nvPr/>
       </p:nvGrpSpPr>
@@ -11010,7 +11796,7 @@
       </p:grpSpPr>
       <p:sp>
         <p:nvSpPr>
-          <p:cNvPr id="175" name="Google Shape;175;p21"/>
+          <p:cNvPr id="191" name="Google Shape;191;p21"/>
           <p:cNvSpPr txBox="1"/>
           <p:nvPr>
             <p:ph type="title"/>
@@ -11050,7 +11836,7 @@
       </p:sp>
       <p:sp>
         <p:nvSpPr>
-          <p:cNvPr id="176" name="Google Shape;176;p21"/>
+          <p:cNvPr id="192" name="Google Shape;192;p21"/>
           <p:cNvSpPr txBox="1"/>
           <p:nvPr>
             <p:ph idx="1" type="body"/>
@@ -11099,8 +11885,86 @@
               <a:buChar char="-"/>
             </a:pPr>
             <a:r>
-              <a:rPr lang="en" sz="2000"/>
+              <a:rPr lang="en" sz="2000" u="sng">
+                <a:solidFill>
+                  <a:schemeClr val="hlink"/>
+                </a:solidFill>
+                <a:hlinkClick r:id="rId3"/>
+              </a:rPr>
+              <a:t>https://linkedin.com/in/dishantsethi</a:t>
+            </a:r>
+            <a:endParaRPr sz="2000"/>
+          </a:p>
+          <a:p>
+            <a:pPr indent="-355600" lvl="0" marL="457200" rtl="0" algn="l">
+              <a:spcBef>
+                <a:spcPts val="0"/>
+              </a:spcBef>
+              <a:spcAft>
+                <a:spcPts val="0"/>
+              </a:spcAft>
+              <a:buSzPts val="2000"/>
+              <a:buChar char="-"/>
+            </a:pPr>
+            <a:r>
+              <a:rPr lang="en" sz="2000" u="sng">
+                <a:solidFill>
+                  <a:schemeClr val="hlink"/>
+                </a:solidFill>
+                <a:hlinkClick r:id="rId4"/>
+              </a:rPr>
               <a:t>dishantsethi14@gmail.com</a:t>
+            </a:r>
+            <a:endParaRPr sz="2000"/>
+          </a:p>
+          <a:p>
+            <a:pPr indent="0" lvl="0" marL="0" rtl="0" algn="l">
+              <a:spcBef>
+                <a:spcPts val="1200"/>
+              </a:spcBef>
+              <a:spcAft>
+                <a:spcPts val="0"/>
+              </a:spcAft>
+              <a:buNone/>
+            </a:pPr>
+            <a:r>
+              <a:t/>
+            </a:r>
+            <a:endParaRPr sz="2000"/>
+          </a:p>
+          <a:p>
+            <a:pPr indent="0" lvl="0" marL="0" rtl="0" algn="l">
+              <a:spcBef>
+                <a:spcPts val="1200"/>
+              </a:spcBef>
+              <a:spcAft>
+                <a:spcPts val="0"/>
+              </a:spcAft>
+              <a:buNone/>
+            </a:pPr>
+            <a:r>
+              <a:t/>
+            </a:r>
+            <a:endParaRPr sz="2000"/>
+          </a:p>
+          <a:p>
+            <a:pPr indent="0" lvl="0" marL="0" rtl="0" algn="l">
+              <a:spcBef>
+                <a:spcPts val="1200"/>
+              </a:spcBef>
+              <a:spcAft>
+                <a:spcPts val="1200"/>
+              </a:spcAft>
+              <a:buNone/>
+            </a:pPr>
+            <a:r>
+              <a:rPr lang="en" sz="2000" u="sng">
+                <a:solidFill>
+                  <a:schemeClr val="hlink"/>
+                </a:solidFill>
+                <a:hlinkClick r:id="rId5"/>
+              </a:rPr>
+              <a:t>https://github.com/dishantsethi/pyconde-2023</a:t>
             </a:r>
             <a:endParaRPr sz="2000"/>
           </a:p>
@@ -11115,6 +11979,285 @@
 </file>
 
 <file path=ppt/theme/theme1.xml><?xml version="1.0" encoding="utf-8"?>
+<a:theme xmlns:a="http://schemas.openxmlformats.org/drawingml/2006/main" xmlns:r="http://schemas.openxmlformats.org/officeDocument/2006/relationships">
+  <a:themeElements>
+    <a:clrScheme name="Default">
+      <a:dk1>
+        <a:srgbClr val="000000"/>
+      </a:dk1>
+      <a:lt1>
+        <a:srgbClr val="FFFFFF"/>
+      </a:lt1>
+      <a:dk2>
+        <a:srgbClr val="158158"/>
+      </a:dk2>
+      <a:lt2>
+        <a:srgbClr val="F3F3F3"/>
+      </a:lt2>
+      <a:accent1>
+        <a:srgbClr val="058DC7"/>
+      </a:accent1>
+      <a:accent2>
+        <a:srgbClr val="50B432"/>
+      </a:accent2>
+      <a:accent3>
+        <a:srgbClr val="ED561B"/>
+      </a:accent3>
+      <a:accent4>
+        <a:srgbClr val="EDEF00"/>
+      </a:accent4>
+      <a:accent5>
+        <a:srgbClr val="24CBE5"/>
+      </a:accent5>
+      <a:accent6>
+        <a:srgbClr val="64E572"/>
+      </a:accent6>
+      <a:hlink>
+        <a:srgbClr val="2200CC"/>
+      </a:hlink>
+      <a:folHlink>
+        <a:srgbClr val="551A8B"/>
+      </a:folHlink>
+    </a:clrScheme>
+    <a:fontScheme name="Office">
+      <a:majorFont>
+        <a:latin typeface="Arial"/>
+        <a:ea typeface=""/>
+        <a:cs typeface=""/>
+        <a:font script="Jpan" typeface="ＭＳ Ｐゴシック"/>
+        <a:font script="Hang" typeface="맑은 고딕"/>
+        <a:font script="Hans" typeface="宋体"/>
+        <a:font script="Hant" typeface="新細明體"/>
+        <a:font script="Arab" typeface="Times New Roman"/>
+        <a:font script="Hebr" typeface="Times New Roman"/>
+        <a:font script="Thai" typeface="Angsana New"/>
+        <a:font script="Ethi" typeface="Nyala"/>
+        <a:font script="Beng" typeface="Vrinda"/>
+        <a:font script="Gujr" typeface="Shruti"/>
+        <a:font script="Khmr" typeface="MoolBoran"/>
+        <a:font script="Knda" typeface="Tunga"/>
+        <a:font script="Guru" typeface="Raavi"/>
+        <a:font script="Cans" typeface="Euphemia"/>
+        <a:font script="Cher" typeface="Plantagenet Cherokee"/>
+        <a:font script="Yiii" typeface="Microsoft Yi Baiti"/>
+        <a:font script="Tibt" typeface="Microsoft Himalaya"/>
+        <a:font script="Thaa" typeface="MV Boli"/>
+        <a:font script="Deva" typeface="Mangal"/>
+        <a:font script="Telu" typeface="Gautami"/>
+        <a:font script="Taml" typeface="Latha"/>
+        <a:font script="Syrc" typeface="Estrangelo Edessa"/>
+        <a:font script="Orya" typeface="Kalinga"/>
+        <a:font script="Mlym" typeface="Kartika"/>
+        <a:font script="Laoo" typeface="DokChampa"/>
+        <a:font script="Sinh" typeface="Iskoola Pota"/>
+        <a:font script="Mong" typeface="Mongolian Baiti"/>
+        <a:font script="Viet" typeface="Times New Roman"/>
+        <a:font script="Uigh" typeface="Microsoft Uighur"/>
+        <a:font script="Geor" typeface="Sylfaen"/>
+      </a:majorFont>
+      <a:minorFont>
+        <a:latin typeface="Arial"/>
+        <a:ea typeface=""/>
+        <a:cs typeface=""/>
+        <a:font script="Jpan" typeface="ＭＳ Ｐゴシック"/>
+        <a:font script="Hang" typeface="맑은 고딕"/>
+        <a:font script="Hans" typeface="宋体"/>
+        <a:font script="Hant" typeface="新細明體"/>
+        <a:font script="Arab" typeface="Arial"/>
+        <a:font script="Hebr" typeface="Arial"/>
+        <a:font script="Thai" typeface="Cordia New"/>
+        <a:font script="Ethi" typeface="Nyala"/>
+        <a:font script="Beng" typeface="Vrinda"/>
+        <a:font script="Gujr" typeface="Shruti"/>
+        <a:font script="Khmr" typeface="DaunPenh"/>
+        <a:font script="Knda" typeface="Tunga"/>
+        <a:font script="Guru" typeface="Raavi"/>
+        <a:font script="Cans" typeface="Euphemia"/>
+        <a:font script="Cher" typeface="Plantagenet Cherokee"/>
+        <a:font script="Yiii" typeface="Microsoft Yi Baiti"/>
+        <a:font script="Tibt" typeface="Microsoft Himalaya"/>
+        <a:font script="Thaa" typeface="MV Boli"/>
+        <a:font script="Deva" typeface="Mangal"/>
+        <a:font script="Telu" typeface="Gautami"/>
+        <a:font script="Taml" typeface="Latha"/>
+        <a:font script="Syrc" typeface="Estrangelo Edessa"/>
+        <a:font script="Orya" typeface="Kalinga"/>
+        <a:font script="Mlym" typeface="Kartika"/>
+        <a:font script="Laoo" typeface="DokChampa"/>
+        <a:font script="Sinh" typeface="Iskoola Pota"/>
+        <a:font script="Mong" typeface="Mongolian Baiti"/>
+        <a:font script="Viet" typeface="Arial"/>
+        <a:font script="Uigh" typeface="Microsoft Uighur"/>
+        <a:font script="Geor" typeface="Sylfaen"/>
+      </a:minorFont>
+    </a:fontScheme>
+    <a:fmtScheme name="Office">
+      <a:fillStyleLst>
+        <a:solidFill>
+          <a:schemeClr val="phClr"/>
+        </a:solidFill>
+        <a:gradFill rotWithShape="1">
+          <a:gsLst>
+            <a:gs pos="0">
+              <a:schemeClr val="phClr">
+                <a:tint val="50000"/>
+                <a:satMod val="300000"/>
+              </a:schemeClr>
+            </a:gs>
+            <a:gs pos="35000">
+              <a:schemeClr val="phClr">
+                <a:tint val="37000"/>
+                <a:satMod val="300000"/>
+              </a:schemeClr>
+            </a:gs>
+            <a:gs pos="100000">
+              <a:schemeClr val="phClr">
+                <a:tint val="15000"/>
+                <a:satMod val="350000"/>
+              </a:schemeClr>
+            </a:gs>
+          </a:gsLst>
+          <a:lin ang="16200000" scaled="1"/>
+        </a:gradFill>
+        <a:gradFill rotWithShape="1">
+          <a:gsLst>
+            <a:gs pos="0">
+              <a:schemeClr val="phClr">
+                <a:tint val="100000"/>
+                <a:shade val="100000"/>
+                <a:satMod val="130000"/>
+              </a:schemeClr>
+            </a:gs>
+            <a:gs pos="100000">
+              <a:schemeClr val="phClr">
+                <a:tint val="50000"/>
+                <a:shade val="100000"/>
+                <a:satMod val="350000"/>
+              </a:schemeClr>
+            </a:gs>
+          </a:gsLst>
+          <a:lin ang="16200000" scaled="0"/>
+        </a:gradFill>
+      </a:fillStyleLst>
+      <a:lnStyleLst>
+        <a:ln w="9525" cap="flat" cmpd="sng" algn="ctr">
+          <a:solidFill>
+            <a:schemeClr val="phClr">
+              <a:shade val="95000"/>
+              <a:satMod val="105000"/>
+            </a:schemeClr>
+          </a:solidFill>
+          <a:prstDash val="solid"/>
+        </a:ln>
+        <a:ln w="25400" cap="flat" cmpd="sng" algn="ctr">
+          <a:solidFill>
+            <a:schemeClr val="phClr"/>
+          </a:solidFill>
+          <a:prstDash val="solid"/>
+        </a:ln>
+        <a:ln w="38100" cap="flat" cmpd="sng" algn="ctr">
+          <a:solidFill>
+            <a:schemeClr val="phClr"/>
+          </a:solidFill>
+          <a:prstDash val="solid"/>
+        </a:ln>
+      </a:lnStyleLst>
+      <a:effectStyleLst>
+        <a:effectStyle>
+          <a:effectLst>
+            <a:outerShdw blurRad="40000" dist="20000" dir="5400000" rotWithShape="0">
+              <a:srgbClr val="000000">
+                <a:alpha val="38000"/>
+              </a:srgbClr>
+            </a:outerShdw>
+          </a:effectLst>
+        </a:effectStyle>
+        <a:effectStyle>
+          <a:effectLst>
+            <a:outerShdw blurRad="40000" dist="23000" dir="5400000" rotWithShape="0">
+              <a:srgbClr val="000000">
+                <a:alpha val="35000"/>
+              </a:srgbClr>
+            </a:outerShdw>
+          </a:effectLst>
+        </a:effectStyle>
+        <a:effectStyle>
+          <a:effectLst>
+            <a:outerShdw blurRad="40000" dist="23000" dir="5400000" rotWithShape="0">
+              <a:srgbClr val="000000">
+                <a:alpha val="35000"/>
+              </a:srgbClr>
+            </a:outerShdw>
+          </a:effectLst>
+          <a:scene3d>
+            <a:camera prst="orthographicFront">
+              <a:rot lat="0" lon="0" rev="0"/>
+            </a:camera>
+            <a:lightRig rig="threePt" dir="t">
+              <a:rot lat="0" lon="0" rev="1200000"/>
+            </a:lightRig>
+          </a:scene3d>
+          <a:sp3d>
+            <a:bevelT w="63500" h="25400"/>
+          </a:sp3d>
+        </a:effectStyle>
+      </a:effectStyleLst>
+      <a:bgFillStyleLst>
+        <a:solidFill>
+          <a:schemeClr val="phClr"/>
+        </a:solidFill>
+        <a:gradFill rotWithShape="1">
+          <a:gsLst>
+            <a:gs pos="0">
+              <a:schemeClr val="phClr">
+                <a:tint val="40000"/>
+                <a:satMod val="350000"/>
+              </a:schemeClr>
+            </a:gs>
+            <a:gs pos="40000">
+              <a:schemeClr val="phClr">
+                <a:tint val="45000"/>
+                <a:shade val="99000"/>
+                <a:satMod val="350000"/>
+              </a:schemeClr>
+            </a:gs>
+            <a:gs pos="100000">
+              <a:schemeClr val="phClr">
+                <a:shade val="20000"/>
+                <a:satMod val="255000"/>
+              </a:schemeClr>
+            </a:gs>
+          </a:gsLst>
+          <a:path path="circle">
+            <a:fillToRect l="50000" t="-80000" r="50000" b="180000"/>
+          </a:path>
+        </a:gradFill>
+        <a:gradFill rotWithShape="1">
+          <a:gsLst>
+            <a:gs pos="0">
+              <a:schemeClr val="phClr">
+                <a:tint val="80000"/>
+                <a:satMod val="300000"/>
+              </a:schemeClr>
+            </a:gs>
+            <a:gs pos="100000">
+              <a:schemeClr val="phClr">
+                <a:shade val="30000"/>
+                <a:satMod val="200000"/>
+              </a:schemeClr>
+            </a:gs>
+          </a:gsLst>
+          <a:path path="circle">
+            <a:fillToRect l="50000" t="50000" r="50000" b="50000"/>
+          </a:path>
+        </a:gradFill>
+      </a:bgFillStyleLst>
+    </a:fmtScheme>
+  </a:themeElements>
+</a:theme>
+</file>
+
+<file path=ppt/theme/theme2.xml><?xml version="1.0" encoding="utf-8"?>
 <a:theme xmlns:a="http://schemas.openxmlformats.org/drawingml/2006/main" xmlns:r="http://schemas.openxmlformats.org/officeDocument/2006/relationships" name="Shift">
   <a:themeElements>
     <a:clrScheme name="Shift">
@@ -11391,283 +12534,4 @@
     </a:fmtScheme>
   </a:themeElements>
 </a:theme>
-</file>
-
-<file path=ppt/theme/theme2.xml><?xml version="1.0" encoding="utf-8"?>
-<a:theme xmlns:a="http://schemas.openxmlformats.org/drawingml/2006/main" xmlns:r="http://schemas.openxmlformats.org/officeDocument/2006/relationships">
-  <a:themeElements>
-    <a:clrScheme name="Default">
-      <a:dk1>
-        <a:srgbClr val="000000"/>
-      </a:dk1>
-      <a:lt1>
-        <a:srgbClr val="FFFFFF"/>
-      </a:lt1>
-      <a:dk2>
-        <a:srgbClr val="158158"/>
-      </a:dk2>
-      <a:lt2>
-        <a:srgbClr val="F3F3F3"/>
-      </a:lt2>
-      <a:accent1>
-        <a:srgbClr val="058DC7"/>
-      </a:accent1>
-      <a:accent2>
-        <a:srgbClr val="50B432"/>
-      </a:accent2>
-      <a:accent3>
-        <a:srgbClr val="ED561B"/>
-      </a:accent3>
-      <a:accent4>
-        <a:srgbClr val="EDEF00"/>
-      </a:accent4>
-      <a:accent5>
-        <a:srgbClr val="24CBE5"/>
-      </a:accent5>
-      <a:accent6>
-        <a:srgbClr val="64E572"/>
-      </a:accent6>
-      <a:hlink>
-        <a:srgbClr val="2200CC"/>
-      </a:hlink>
-      <a:folHlink>
-        <a:srgbClr val="551A8B"/>
-      </a:folHlink>
-    </a:clrScheme>
-    <a:fontScheme name="Office">
-      <a:majorFont>
-        <a:latin typeface="Arial"/>
-        <a:ea typeface=""/>
-        <a:cs typeface=""/>
-        <a:font script="Jpan" typeface="ＭＳ Ｐゴシック"/>
-        <a:font script="Hang" typeface="맑은 고딕"/>
-        <a:font script="Hans" typeface="宋体"/>
-        <a:font script="Hant" typeface="新細明體"/>
-        <a:font script="Arab" typeface="Times New Roman"/>
-        <a:font script="Hebr" typeface="Times New Roman"/>
-        <a:font script="Thai" typeface="Angsana New"/>
-        <a:font script="Ethi" typeface="Nyala"/>
-        <a:font script="Beng" typeface="Vrinda"/>
-        <a:font script="Gujr" typeface="Shruti"/>
-        <a:font script="Khmr" typeface="MoolBoran"/>
-        <a:font script="Knda" typeface="Tunga"/>
-        <a:font script="Guru" typeface="Raavi"/>
-        <a:font script="Cans" typeface="Euphemia"/>
-        <a:font script="Cher" typeface="Plantagenet Cherokee"/>
-        <a:font script="Yiii" typeface="Microsoft Yi Baiti"/>
-        <a:font script="Tibt" typeface="Microsoft Himalaya"/>
-        <a:font script="Thaa" typeface="MV Boli"/>
-        <a:font script="Deva" typeface="Mangal"/>
-        <a:font script="Telu" typeface="Gautami"/>
-        <a:font script="Taml" typeface="Latha"/>
-        <a:font script="Syrc" typeface="Estrangelo Edessa"/>
-        <a:font script="Orya" typeface="Kalinga"/>
-        <a:font script="Mlym" typeface="Kartika"/>
-        <a:font script="Laoo" typeface="DokChampa"/>
-        <a:font script="Sinh" typeface="Iskoola Pota"/>
-        <a:font script="Mong" typeface="Mongolian Baiti"/>
-        <a:font script="Viet" typeface="Times New Roman"/>
-        <a:font script="Uigh" typeface="Microsoft Uighur"/>
-        <a:font script="Geor" typeface="Sylfaen"/>
-      </a:majorFont>
-      <a:minorFont>
-        <a:latin typeface="Arial"/>
-        <a:ea typeface=""/>
-        <a:cs typeface=""/>
-        <a:font script="Jpan" typeface="ＭＳ Ｐゴシック"/>
-        <a:font script="Hang" typeface="맑은 고딕"/>
-        <a:font script="Hans" typeface="宋体"/>
-        <a:font script="Hant" typeface="新細明體"/>
-        <a:font script="Arab" typeface="Arial"/>
-        <a:font script="Hebr" typeface="Arial"/>
-        <a:font script="Thai" typeface="Cordia New"/>
-        <a:font script="Ethi" typeface="Nyala"/>
-        <a:font script="Beng" typeface="Vrinda"/>
-        <a:font script="Gujr" typeface="Shruti"/>
-        <a:font script="Khmr" typeface="DaunPenh"/>
-        <a:font script="Knda" typeface="Tunga"/>
-        <a:font script="Guru" typeface="Raavi"/>
-        <a:font script="Cans" typeface="Euphemia"/>
-        <a:font script="Cher" typeface="Plantagenet Cherokee"/>
-        <a:font script="Yiii" typeface="Microsoft Yi Baiti"/>
-        <a:font script="Tibt" typeface="Microsoft Himalaya"/>
-        <a:font script="Thaa" typeface="MV Boli"/>
-        <a:font script="Deva" typeface="Mangal"/>
-        <a:font script="Telu" typeface="Gautami"/>
-        <a:font script="Taml" typeface="Latha"/>
-        <a:font script="Syrc" typeface="Estrangelo Edessa"/>
-        <a:font script="Orya" typeface="Kalinga"/>
-        <a:font script="Mlym" typeface="Kartika"/>
-        <a:font script="Laoo" typeface="DokChampa"/>
-        <a:font script="Sinh" typeface="Iskoola Pota"/>
-        <a:font script="Mong" typeface="Mongolian Baiti"/>
-        <a:font script="Viet" typeface="Arial"/>
-        <a:font script="Uigh" typeface="Microsoft Uighur"/>
-        <a:font script="Geor" typeface="Sylfaen"/>
-      </a:minorFont>
-    </a:fontScheme>
-    <a:fmtScheme name="Office">
-      <a:fillStyleLst>
-        <a:solidFill>
-          <a:schemeClr val="phClr"/>
-        </a:solidFill>
-        <a:gradFill rotWithShape="1">
-          <a:gsLst>
-            <a:gs pos="0">
-              <a:schemeClr val="phClr">
-                <a:tint val="50000"/>
-                <a:satMod val="300000"/>
-              </a:schemeClr>
-            </a:gs>
-            <a:gs pos="35000">
-              <a:schemeClr val="phClr">
-                <a:tint val="37000"/>
-                <a:satMod val="300000"/>
-              </a:schemeClr>
-            </a:gs>
-            <a:gs pos="100000">
-              <a:schemeClr val="phClr">
-                <a:tint val="15000"/>
-                <a:satMod val="350000"/>
-              </a:schemeClr>
-            </a:gs>
-          </a:gsLst>
-          <a:lin ang="16200000" scaled="1"/>
-        </a:gradFill>
-        <a:gradFill rotWithShape="1">
-          <a:gsLst>
-            <a:gs pos="0">
-              <a:schemeClr val="phClr">
-                <a:tint val="100000"/>
-                <a:shade val="100000"/>
-                <a:satMod val="130000"/>
-              </a:schemeClr>
-            </a:gs>
-            <a:gs pos="100000">
-              <a:schemeClr val="phClr">
-                <a:tint val="50000"/>
-                <a:shade val="100000"/>
-                <a:satMod val="350000"/>
-              </a:schemeClr>
-            </a:gs>
-          </a:gsLst>
-          <a:lin ang="16200000" scaled="0"/>
-        </a:gradFill>
-      </a:fillStyleLst>
-      <a:lnStyleLst>
-        <a:ln w="9525" cap="flat" cmpd="sng" algn="ctr">
-          <a:solidFill>
-            <a:schemeClr val="phClr">
-              <a:shade val="95000"/>
-              <a:satMod val="105000"/>
-            </a:schemeClr>
-          </a:solidFill>
-          <a:prstDash val="solid"/>
-        </a:ln>
-        <a:ln w="25400" cap="flat" cmpd="sng" algn="ctr">
-          <a:solidFill>
-            <a:schemeClr val="phClr"/>
-          </a:solidFill>
-          <a:prstDash val="solid"/>
-        </a:ln>
-        <a:ln w="38100" cap="flat" cmpd="sng" algn="ctr">
-          <a:solidFill>
-            <a:schemeClr val="phClr"/>
-          </a:solidFill>
-          <a:prstDash val="solid"/>
-        </a:ln>
-      </a:lnStyleLst>
-      <a:effectStyleLst>
-        <a:effectStyle>
-          <a:effectLst>
-            <a:outerShdw blurRad="40000" dist="20000" dir="5400000" rotWithShape="0">
-              <a:srgbClr val="000000">
-                <a:alpha val="38000"/>
-              </a:srgbClr>
-            </a:outerShdw>
-          </a:effectLst>
-        </a:effectStyle>
-        <a:effectStyle>
-          <a:effectLst>
-            <a:outerShdw blurRad="40000" dist="23000" dir="5400000" rotWithShape="0">
-              <a:srgbClr val="000000">
-                <a:alpha val="35000"/>
-              </a:srgbClr>
-            </a:outerShdw>
-          </a:effectLst>
-        </a:effectStyle>
-        <a:effectStyle>
-          <a:effectLst>
-            <a:outerShdw blurRad="40000" dist="23000" dir="5400000" rotWithShape="0">
-              <a:srgbClr val="000000">
-                <a:alpha val="35000"/>
-              </a:srgbClr>
-            </a:outerShdw>
-          </a:effectLst>
-          <a:scene3d>
-            <a:camera prst="orthographicFront">
-              <a:rot lat="0" lon="0" rev="0"/>
-            </a:camera>
-            <a:lightRig rig="threePt" dir="t">
-              <a:rot lat="0" lon="0" rev="1200000"/>
-            </a:lightRig>
-          </a:scene3d>
-          <a:sp3d>
-            <a:bevelT w="63500" h="25400"/>
-          </a:sp3d>
-        </a:effectStyle>
-      </a:effectStyleLst>
-      <a:bgFillStyleLst>
-        <a:solidFill>
-          <a:schemeClr val="phClr"/>
-        </a:solidFill>
-        <a:gradFill rotWithShape="1">
-          <a:gsLst>
-            <a:gs pos="0">
-              <a:schemeClr val="phClr">
-                <a:tint val="40000"/>
-                <a:satMod val="350000"/>
-              </a:schemeClr>
-            </a:gs>
-            <a:gs pos="40000">
-              <a:schemeClr val="phClr">
-                <a:tint val="45000"/>
-                <a:shade val="99000"/>
-                <a:satMod val="350000"/>
-              </a:schemeClr>
-            </a:gs>
-            <a:gs pos="100000">
-              <a:schemeClr val="phClr">
-                <a:shade val="20000"/>
-                <a:satMod val="255000"/>
-              </a:schemeClr>
-            </a:gs>
-          </a:gsLst>
-          <a:path path="circle">
-            <a:fillToRect l="50000" t="-80000" r="50000" b="180000"/>
-          </a:path>
-        </a:gradFill>
-        <a:gradFill rotWithShape="1">
-          <a:gsLst>
-            <a:gs pos="0">
-              <a:schemeClr val="phClr">
-                <a:tint val="80000"/>
-                <a:satMod val="300000"/>
-              </a:schemeClr>
-            </a:gs>
-            <a:gs pos="100000">
-              <a:schemeClr val="phClr">
-                <a:shade val="30000"/>
-                <a:satMod val="200000"/>
-              </a:schemeClr>
-            </a:gs>
-          </a:gsLst>
-          <a:path path="circle">
-            <a:fillToRect l="50000" t="50000" r="50000" b="50000"/>
-          </a:path>
-        </a:gradFill>
-      </a:bgFillStyleLst>
-    </a:fmtScheme>
-  </a:themeElements>
-</a:theme>
 </file>